--- a/.lessons/16 Fundamental. Database - Query Builder/3 Retrieving A List Of Column Values/1.pptx
+++ b/.lessons/16 Fundamental. Database - Query Builder/3 Retrieving A List Of Column Values/1.pptx
@@ -7,8 +7,8 @@
   <p:sldIdLst>
     <p:sldId id="396" r:id="rId2"/>
     <p:sldId id="397" r:id="rId3"/>
-    <p:sldId id="398" r:id="rId4"/>
-    <p:sldId id="399" r:id="rId5"/>
+    <p:sldId id="399" r:id="rId4"/>
+    <p:sldId id="398" r:id="rId5"/>
     <p:sldId id="400" r:id="rId6"/>
   </p:sldIdLst>
   <p:sldSz cx="12192000" cy="6858000"/>
@@ -263,7 +263,7 @@
           <a:p>
             <a:fld id="{3E102D2E-813C-461C-9963-687A650C48C0}" type="datetimeFigureOut">
               <a:rPr lang="en-US" smtClean="0"/>
-              <a:t>4/22/2025</a:t>
+              <a:t>4/23/2025</a:t>
             </a:fld>
             <a:endParaRPr lang="en-US"/>
           </a:p>
@@ -461,7 +461,7 @@
           <a:p>
             <a:fld id="{3E102D2E-813C-461C-9963-687A650C48C0}" type="datetimeFigureOut">
               <a:rPr lang="en-US" smtClean="0"/>
-              <a:t>4/22/2025</a:t>
+              <a:t>4/23/2025</a:t>
             </a:fld>
             <a:endParaRPr lang="en-US"/>
           </a:p>
@@ -669,7 +669,7 @@
           <a:p>
             <a:fld id="{3E102D2E-813C-461C-9963-687A650C48C0}" type="datetimeFigureOut">
               <a:rPr lang="en-US" smtClean="0"/>
-              <a:t>4/22/2025</a:t>
+              <a:t>4/23/2025</a:t>
             </a:fld>
             <a:endParaRPr lang="en-US"/>
           </a:p>
@@ -867,7 +867,7 @@
           <a:p>
             <a:fld id="{3E102D2E-813C-461C-9963-687A650C48C0}" type="datetimeFigureOut">
               <a:rPr lang="en-US" smtClean="0"/>
-              <a:t>4/22/2025</a:t>
+              <a:t>4/23/2025</a:t>
             </a:fld>
             <a:endParaRPr lang="en-US"/>
           </a:p>
@@ -1142,7 +1142,7 @@
           <a:p>
             <a:fld id="{3E102D2E-813C-461C-9963-687A650C48C0}" type="datetimeFigureOut">
               <a:rPr lang="en-US" smtClean="0"/>
-              <a:t>4/22/2025</a:t>
+              <a:t>4/23/2025</a:t>
             </a:fld>
             <a:endParaRPr lang="en-US"/>
           </a:p>
@@ -1407,7 +1407,7 @@
           <a:p>
             <a:fld id="{3E102D2E-813C-461C-9963-687A650C48C0}" type="datetimeFigureOut">
               <a:rPr lang="en-US" smtClean="0"/>
-              <a:t>4/22/2025</a:t>
+              <a:t>4/23/2025</a:t>
             </a:fld>
             <a:endParaRPr lang="en-US"/>
           </a:p>
@@ -1819,7 +1819,7 @@
           <a:p>
             <a:fld id="{3E102D2E-813C-461C-9963-687A650C48C0}" type="datetimeFigureOut">
               <a:rPr lang="en-US" smtClean="0"/>
-              <a:t>4/22/2025</a:t>
+              <a:t>4/23/2025</a:t>
             </a:fld>
             <a:endParaRPr lang="en-US"/>
           </a:p>
@@ -1960,7 +1960,7 @@
           <a:p>
             <a:fld id="{3E102D2E-813C-461C-9963-687A650C48C0}" type="datetimeFigureOut">
               <a:rPr lang="en-US" smtClean="0"/>
-              <a:t>4/22/2025</a:t>
+              <a:t>4/23/2025</a:t>
             </a:fld>
             <a:endParaRPr lang="en-US"/>
           </a:p>
@@ -2073,7 +2073,7 @@
           <a:p>
             <a:fld id="{3E102D2E-813C-461C-9963-687A650C48C0}" type="datetimeFigureOut">
               <a:rPr lang="en-US" smtClean="0"/>
-              <a:t>4/22/2025</a:t>
+              <a:t>4/23/2025</a:t>
             </a:fld>
             <a:endParaRPr lang="en-US"/>
           </a:p>
@@ -2384,7 +2384,7 @@
           <a:p>
             <a:fld id="{3E102D2E-813C-461C-9963-687A650C48C0}" type="datetimeFigureOut">
               <a:rPr lang="en-US" smtClean="0"/>
-              <a:t>4/22/2025</a:t>
+              <a:t>4/23/2025</a:t>
             </a:fld>
             <a:endParaRPr lang="en-US"/>
           </a:p>
@@ -2672,7 +2672,7 @@
           <a:p>
             <a:fld id="{3E102D2E-813C-461C-9963-687A650C48C0}" type="datetimeFigureOut">
               <a:rPr lang="en-US" smtClean="0"/>
-              <a:t>4/22/2025</a:t>
+              <a:t>4/23/2025</a:t>
             </a:fld>
             <a:endParaRPr lang="en-US"/>
           </a:p>
@@ -2913,7 +2913,7 @@
           <a:p>
             <a:fld id="{3E102D2E-813C-461C-9963-687A650C48C0}" type="datetimeFigureOut">
               <a:rPr lang="en-US" smtClean="0"/>
-              <a:t>4/22/2025</a:t>
+              <a:t>4/23/2025</a:t>
             </a:fld>
             <a:endParaRPr lang="en-US"/>
           </a:p>
@@ -3371,21 +3371,69 @@
               <a:buNone/>
             </a:pPr>
             <a:r>
-              <a:rPr kumimoji="0" lang="en-US" altLang="en-US" sz="1300" b="0" i="0" u="none" strike="noStrike" cap="none" normalizeH="0" baseline="0">
-                <a:ln>
-                  <a:noFill/>
-                </a:ln>
-                <a:solidFill>
-                  <a:schemeClr val="tx1"/>
-                </a:solidFill>
-                <a:effectLst/>
+              <a:rPr lang="az-Latn-AZ" altLang="en-US" sz="1300">
                 <a:latin typeface="Arial" panose="020B0604020202020204" pitchFamily="34" charset="0"/>
               </a:rPr>
-              <a:t>.</a:t>
-            </a:r>
-          </a:p>
-        </p:txBody>
-      </p:sp>
+              <a:t>Sadəcə </a:t>
+            </a:r>
+            <a:r>
+              <a:rPr lang="az-Latn-AZ" altLang="en-US" sz="1300" b="1">
+                <a:solidFill>
+                  <a:srgbClr val="FF0000"/>
+                </a:solidFill>
+                <a:latin typeface="Arial" panose="020B0604020202020204" pitchFamily="34" charset="0"/>
+              </a:rPr>
+              <a:t>title</a:t>
+            </a:r>
+            <a:r>
+              <a:rPr lang="az-Latn-AZ" altLang="en-US" sz="1300">
+                <a:latin typeface="Arial" panose="020B0604020202020204" pitchFamily="34" charset="0"/>
+              </a:rPr>
+              <a:t> sütunundakı bütün dəyərləri verir.</a:t>
+            </a:r>
+            <a:endParaRPr kumimoji="0" lang="en-US" altLang="en-US" sz="1300" b="0" i="0" u="none" strike="noStrike" cap="none" normalizeH="0" baseline="0">
+              <a:ln>
+                <a:noFill/>
+              </a:ln>
+              <a:solidFill>
+                <a:schemeClr val="tx1"/>
+              </a:solidFill>
+              <a:effectLst/>
+              <a:latin typeface="Arial" panose="020B0604020202020204" pitchFamily="34" charset="0"/>
+            </a:endParaRPr>
+          </a:p>
+        </p:txBody>
+      </p:sp>
+      <p:pic>
+        <p:nvPicPr>
+          <p:cNvPr id="4" name="Picture 3">
+            <a:extLst>
+              <a:ext uri="{FF2B5EF4-FFF2-40B4-BE49-F238E27FC236}">
+                <a16:creationId xmlns:a16="http://schemas.microsoft.com/office/drawing/2014/main" id="{737566E4-DAFD-2D8F-775B-510E148F8FCB}"/>
+              </a:ext>
+            </a:extLst>
+          </p:cNvPr>
+          <p:cNvPicPr>
+            <a:picLocks noChangeAspect="1"/>
+          </p:cNvPicPr>
+          <p:nvPr/>
+        </p:nvPicPr>
+        <p:blipFill>
+          <a:blip r:embed="rId2"/>
+          <a:stretch>
+            <a:fillRect/>
+          </a:stretch>
+        </p:blipFill>
+        <p:spPr>
+          <a:xfrm>
+            <a:off x="6990624" y="2828363"/>
+            <a:ext cx="5201376" cy="4029637"/>
+          </a:xfrm>
+          <a:prstGeom prst="rect">
+            <a:avLst/>
+          </a:prstGeom>
+        </p:spPr>
+      </p:pic>
     </p:spTree>
     <p:extLst>
       <p:ext uri="{BB962C8B-B14F-4D97-AF65-F5344CB8AC3E}">
@@ -3457,21 +3505,54 @@
               <a:buNone/>
             </a:pPr>
             <a:r>
-              <a:rPr kumimoji="0" lang="en-US" altLang="en-US" sz="1300" b="0" i="0" u="none" strike="noStrike" cap="none" normalizeH="0" baseline="0">
-                <a:ln>
-                  <a:noFill/>
-                </a:ln>
-                <a:solidFill>
-                  <a:schemeClr val="tx1"/>
-                </a:solidFill>
-                <a:effectLst/>
+              <a:rPr lang="az-Latn-AZ" altLang="en-US" sz="1300">
                 <a:latin typeface="Arial" panose="020B0604020202020204" pitchFamily="34" charset="0"/>
               </a:rPr>
-              <a:t>.</a:t>
-            </a:r>
-          </a:p>
-        </p:txBody>
-      </p:sp>
+              <a:t>Nəticə</a:t>
+            </a:r>
+            <a:endParaRPr kumimoji="0" lang="en-US" altLang="en-US" sz="1300" b="0" i="0" u="none" strike="noStrike" cap="none" normalizeH="0" baseline="0">
+              <a:ln>
+                <a:noFill/>
+              </a:ln>
+              <a:solidFill>
+                <a:schemeClr val="tx1"/>
+              </a:solidFill>
+              <a:effectLst/>
+              <a:latin typeface="Arial" panose="020B0604020202020204" pitchFamily="34" charset="0"/>
+            </a:endParaRPr>
+          </a:p>
+        </p:txBody>
+      </p:sp>
+      <p:pic>
+        <p:nvPicPr>
+          <p:cNvPr id="4" name="Picture 3">
+            <a:extLst>
+              <a:ext uri="{FF2B5EF4-FFF2-40B4-BE49-F238E27FC236}">
+                <a16:creationId xmlns:a16="http://schemas.microsoft.com/office/drawing/2014/main" id="{3D4F0CC3-4FD6-351E-E5A5-9ADEFE6871AD}"/>
+              </a:ext>
+            </a:extLst>
+          </p:cNvPr>
+          <p:cNvPicPr>
+            <a:picLocks noChangeAspect="1"/>
+          </p:cNvPicPr>
+          <p:nvPr/>
+        </p:nvPicPr>
+        <p:blipFill>
+          <a:blip r:embed="rId2"/>
+          <a:stretch>
+            <a:fillRect/>
+          </a:stretch>
+        </p:blipFill>
+        <p:spPr>
+          <a:xfrm>
+            <a:off x="3827883" y="1427992"/>
+            <a:ext cx="8364117" cy="5430008"/>
+          </a:xfrm>
+          <a:prstGeom prst="rect">
+            <a:avLst/>
+          </a:prstGeom>
+        </p:spPr>
+      </p:pic>
     </p:spTree>
     <p:extLst>
       <p:ext uri="{BB962C8B-B14F-4D97-AF65-F5344CB8AC3E}">
@@ -3486,6 +3567,143 @@
 </file>
 
 <file path=ppt/slides/slide3.xml><?xml version="1.0" encoding="utf-8"?>
+<p:sld xmlns:a="http://schemas.openxmlformats.org/drawingml/2006/main" xmlns:r="http://schemas.openxmlformats.org/officeDocument/2006/relationships" xmlns:p="http://schemas.openxmlformats.org/presentationml/2006/main">
+  <p:cSld>
+    <p:spTree>
+      <p:nvGrpSpPr>
+        <p:cNvPr id="1" name="">
+          <a:extLst>
+            <a:ext uri="{FF2B5EF4-FFF2-40B4-BE49-F238E27FC236}">
+              <a16:creationId xmlns:a16="http://schemas.microsoft.com/office/drawing/2014/main" id="{F2452F18-3A5E-9D8F-DCA7-5DE749CF0A36}"/>
+            </a:ext>
+          </a:extLst>
+        </p:cNvPr>
+        <p:cNvGrpSpPr/>
+        <p:nvPr/>
+      </p:nvGrpSpPr>
+      <p:grpSpPr>
+        <a:xfrm>
+          <a:off x="0" y="0"/>
+          <a:ext cx="0" cy="0"/>
+          <a:chOff x="0" y="0"/>
+          <a:chExt cx="0" cy="0"/>
+        </a:xfrm>
+      </p:grpSpPr>
+      <p:sp>
+        <p:nvSpPr>
+          <p:cNvPr id="3" name="TextBox 2">
+            <a:extLst>
+              <a:ext uri="{FF2B5EF4-FFF2-40B4-BE49-F238E27FC236}">
+                <a16:creationId xmlns:a16="http://schemas.microsoft.com/office/drawing/2014/main" id="{D0C1D576-E98F-4E42-CEBC-046D35CA6AF7}"/>
+              </a:ext>
+            </a:extLst>
+          </p:cNvPr>
+          <p:cNvSpPr txBox="1"/>
+          <p:nvPr/>
+        </p:nvSpPr>
+        <p:spPr>
+          <a:xfrm>
+            <a:off x="217714" y="255046"/>
+            <a:ext cx="11756571" cy="355354"/>
+          </a:xfrm>
+          <a:prstGeom prst="rect">
+            <a:avLst/>
+          </a:prstGeom>
+          <a:noFill/>
+        </p:spPr>
+        <p:txBody>
+          <a:bodyPr wrap="square">
+            <a:spAutoFit/>
+          </a:bodyPr>
+          <a:lstStyle/>
+          <a:p>
+            <a:pPr>
+              <a:lnSpc>
+                <a:spcPct val="150000"/>
+              </a:lnSpc>
+              <a:buNone/>
+            </a:pPr>
+            <a:r>
+              <a:rPr lang="az-Latn-AZ" altLang="en-US" sz="1300" b="1">
+                <a:latin typeface="Arial" panose="020B0604020202020204" pitchFamily="34" charset="0"/>
+              </a:rPr>
+              <a:t>Pluck() </a:t>
+            </a:r>
+            <a:r>
+              <a:rPr lang="az-Latn-AZ" altLang="en-US" sz="1300">
+                <a:latin typeface="Arial" panose="020B0604020202020204" pitchFamily="34" charset="0"/>
+              </a:rPr>
+              <a:t>metoduna </a:t>
+            </a:r>
+            <a:r>
+              <a:rPr lang="az-Latn-AZ" altLang="en-US" sz="1300" b="1">
+                <a:latin typeface="Arial" panose="020B0604020202020204" pitchFamily="34" charset="0"/>
+              </a:rPr>
+              <a:t>2</a:t>
+            </a:r>
+            <a:r>
+              <a:rPr lang="az-Latn-AZ" altLang="en-US" sz="1300">
+                <a:latin typeface="Arial" panose="020B0604020202020204" pitchFamily="34" charset="0"/>
+              </a:rPr>
+              <a:t> parameter yazılsa onda təkrarlanan dəyərlər nəzərə alınmır və ən sondakı dəyərləri əsas götürür.</a:t>
+            </a:r>
+            <a:endParaRPr kumimoji="0" lang="en-US" altLang="en-US" sz="1300" b="0" i="0" u="none" strike="noStrike" cap="none" normalizeH="0" baseline="0">
+              <a:ln>
+                <a:noFill/>
+              </a:ln>
+              <a:solidFill>
+                <a:schemeClr val="tx1"/>
+              </a:solidFill>
+              <a:effectLst/>
+              <a:latin typeface="Arial" panose="020B0604020202020204" pitchFamily="34" charset="0"/>
+            </a:endParaRPr>
+          </a:p>
+        </p:txBody>
+      </p:sp>
+      <p:pic>
+        <p:nvPicPr>
+          <p:cNvPr id="4" name="Picture 3">
+            <a:extLst>
+              <a:ext uri="{FF2B5EF4-FFF2-40B4-BE49-F238E27FC236}">
+                <a16:creationId xmlns:a16="http://schemas.microsoft.com/office/drawing/2014/main" id="{23102399-5317-F605-5224-73EE2B4DC32D}"/>
+              </a:ext>
+            </a:extLst>
+          </p:cNvPr>
+          <p:cNvPicPr>
+            <a:picLocks noChangeAspect="1"/>
+          </p:cNvPicPr>
+          <p:nvPr/>
+        </p:nvPicPr>
+        <p:blipFill>
+          <a:blip r:embed="rId2"/>
+          <a:stretch>
+            <a:fillRect/>
+          </a:stretch>
+        </p:blipFill>
+        <p:spPr>
+          <a:xfrm>
+            <a:off x="5428306" y="1932888"/>
+            <a:ext cx="6763694" cy="4925112"/>
+          </a:xfrm>
+          <a:prstGeom prst="rect">
+            <a:avLst/>
+          </a:prstGeom>
+        </p:spPr>
+      </p:pic>
+    </p:spTree>
+    <p:extLst>
+      <p:ext uri="{BB962C8B-B14F-4D97-AF65-F5344CB8AC3E}">
+        <p14:creationId xmlns:p14="http://schemas.microsoft.com/office/powerpoint/2010/main" val="1608225777"/>
+      </p:ext>
+    </p:extLst>
+  </p:cSld>
+  <p:clrMapOvr>
+    <a:masterClrMapping/>
+  </p:clrMapOvr>
+</p:sld>
+</file>
+
+<file path=ppt/slides/slide4.xml><?xml version="1.0" encoding="utf-8"?>
 <p:sld xmlns:a="http://schemas.openxmlformats.org/drawingml/2006/main" xmlns:r="http://schemas.openxmlformats.org/officeDocument/2006/relationships" xmlns:p="http://schemas.openxmlformats.org/presentationml/2006/main">
   <p:cSld>
     <p:spTree>
@@ -3558,96 +3776,40 @@
           </a:p>
         </p:txBody>
       </p:sp>
+      <p:pic>
+        <p:nvPicPr>
+          <p:cNvPr id="4" name="Picture 3">
+            <a:extLst>
+              <a:ext uri="{FF2B5EF4-FFF2-40B4-BE49-F238E27FC236}">
+                <a16:creationId xmlns:a16="http://schemas.microsoft.com/office/drawing/2014/main" id="{8266F44C-8995-1E89-14CC-80605A4AF10D}"/>
+              </a:ext>
+            </a:extLst>
+          </p:cNvPr>
+          <p:cNvPicPr>
+            <a:picLocks noChangeAspect="1"/>
+          </p:cNvPicPr>
+          <p:nvPr/>
+        </p:nvPicPr>
+        <p:blipFill>
+          <a:blip r:embed="rId2"/>
+          <a:stretch>
+            <a:fillRect/>
+          </a:stretch>
+        </p:blipFill>
+        <p:spPr>
+          <a:xfrm>
+            <a:off x="0" y="1539966"/>
+            <a:ext cx="12192000" cy="5318034"/>
+          </a:xfrm>
+          <a:prstGeom prst="rect">
+            <a:avLst/>
+          </a:prstGeom>
+        </p:spPr>
+      </p:pic>
     </p:spTree>
     <p:extLst>
       <p:ext uri="{BB962C8B-B14F-4D97-AF65-F5344CB8AC3E}">
         <p14:creationId xmlns:p14="http://schemas.microsoft.com/office/powerpoint/2010/main" val="2376313205"/>
-      </p:ext>
-    </p:extLst>
-  </p:cSld>
-  <p:clrMapOvr>
-    <a:masterClrMapping/>
-  </p:clrMapOvr>
-</p:sld>
-</file>
-
-<file path=ppt/slides/slide4.xml><?xml version="1.0" encoding="utf-8"?>
-<p:sld xmlns:a="http://schemas.openxmlformats.org/drawingml/2006/main" xmlns:r="http://schemas.openxmlformats.org/officeDocument/2006/relationships" xmlns:p="http://schemas.openxmlformats.org/presentationml/2006/main">
-  <p:cSld>
-    <p:spTree>
-      <p:nvGrpSpPr>
-        <p:cNvPr id="1" name="">
-          <a:extLst>
-            <a:ext uri="{FF2B5EF4-FFF2-40B4-BE49-F238E27FC236}">
-              <a16:creationId xmlns:a16="http://schemas.microsoft.com/office/drawing/2014/main" id="{F2452F18-3A5E-9D8F-DCA7-5DE749CF0A36}"/>
-            </a:ext>
-          </a:extLst>
-        </p:cNvPr>
-        <p:cNvGrpSpPr/>
-        <p:nvPr/>
-      </p:nvGrpSpPr>
-      <p:grpSpPr>
-        <a:xfrm>
-          <a:off x="0" y="0"/>
-          <a:ext cx="0" cy="0"/>
-          <a:chOff x="0" y="0"/>
-          <a:chExt cx="0" cy="0"/>
-        </a:xfrm>
-      </p:grpSpPr>
-      <p:sp>
-        <p:nvSpPr>
-          <p:cNvPr id="3" name="TextBox 2">
-            <a:extLst>
-              <a:ext uri="{FF2B5EF4-FFF2-40B4-BE49-F238E27FC236}">
-                <a16:creationId xmlns:a16="http://schemas.microsoft.com/office/drawing/2014/main" id="{D0C1D576-E98F-4E42-CEBC-046D35CA6AF7}"/>
-              </a:ext>
-            </a:extLst>
-          </p:cNvPr>
-          <p:cNvSpPr txBox="1"/>
-          <p:nvPr/>
-        </p:nvSpPr>
-        <p:spPr>
-          <a:xfrm>
-            <a:off x="217714" y="255046"/>
-            <a:ext cx="11756571" cy="355354"/>
-          </a:xfrm>
-          <a:prstGeom prst="rect">
-            <a:avLst/>
-          </a:prstGeom>
-          <a:noFill/>
-        </p:spPr>
-        <p:txBody>
-          <a:bodyPr wrap="square">
-            <a:spAutoFit/>
-          </a:bodyPr>
-          <a:lstStyle/>
-          <a:p>
-            <a:pPr>
-              <a:lnSpc>
-                <a:spcPct val="150000"/>
-              </a:lnSpc>
-              <a:buNone/>
-            </a:pPr>
-            <a:r>
-              <a:rPr kumimoji="0" lang="en-US" altLang="en-US" sz="1300" b="0" i="0" u="none" strike="noStrike" cap="none" normalizeH="0" baseline="0">
-                <a:ln>
-                  <a:noFill/>
-                </a:ln>
-                <a:solidFill>
-                  <a:schemeClr val="tx1"/>
-                </a:solidFill>
-                <a:effectLst/>
-                <a:latin typeface="Arial" panose="020B0604020202020204" pitchFamily="34" charset="0"/>
-              </a:rPr>
-              <a:t>.</a:t>
-            </a:r>
-          </a:p>
-        </p:txBody>
-      </p:sp>
-    </p:spTree>
-    <p:extLst>
-      <p:ext uri="{BB962C8B-B14F-4D97-AF65-F5344CB8AC3E}">
-        <p14:creationId xmlns:p14="http://schemas.microsoft.com/office/powerpoint/2010/main" val="1608225777"/>
       </p:ext>
     </p:extLst>
   </p:cSld>
